--- a/lecture-4/presentation-4.pptx
+++ b/lecture-4/presentation-4.pptx
@@ -207,7 +207,7 @@
           <a:p>
             <a:fld id="{E758746B-B0EA-CA41-BB8E-A8C6FE44757D}" type="datetimeFigureOut">
               <a:rPr lang="en-US"/>
-              <a:t>10/26/19</a:t>
+              <a:t>11/6/19</a:t>
             </a:fld>
             <a:endParaRPr lang="en-US" dirty="0"/>
           </a:p>
@@ -622,7 +622,7 @@
             <a:fld id="{B61BEF0D-F0BB-DE4B-95CE-6DB70DBA9567}" type="datetimeFigureOut">
               <a:rPr lang="en-US"/>
               <a:pPr/>
-              <a:t>10/26/19</a:t>
+              <a:t>11/6/19</a:t>
             </a:fld>
             <a:endParaRPr lang="en-US" dirty="0"/>
           </a:p>
@@ -834,7 +834,7 @@
             <a:fld id="{B61BEF0D-F0BB-DE4B-95CE-6DB70DBA9567}" type="datetimeFigureOut">
               <a:rPr lang="en-US"/>
               <a:pPr/>
-              <a:t>10/26/19</a:t>
+              <a:t>11/6/19</a:t>
             </a:fld>
             <a:endParaRPr lang="en-US" dirty="0"/>
           </a:p>
@@ -1056,7 +1056,7 @@
             <a:fld id="{B61BEF0D-F0BB-DE4B-95CE-6DB70DBA9567}" type="datetimeFigureOut">
               <a:rPr lang="en-US"/>
               <a:pPr/>
-              <a:t>10/26/19</a:t>
+              <a:t>11/6/19</a:t>
             </a:fld>
             <a:endParaRPr lang="en-US" dirty="0"/>
           </a:p>
@@ -1268,7 +1268,7 @@
             <a:fld id="{B61BEF0D-F0BB-DE4B-95CE-6DB70DBA9567}" type="datetimeFigureOut">
               <a:rPr lang="en-US"/>
               <a:pPr/>
-              <a:t>10/26/19</a:t>
+              <a:t>11/6/19</a:t>
             </a:fld>
             <a:endParaRPr lang="en-US" dirty="0"/>
           </a:p>
@@ -1557,7 +1557,7 @@
             <a:fld id="{B61BEF0D-F0BB-DE4B-95CE-6DB70DBA9567}" type="datetimeFigureOut">
               <a:rPr lang="en-US"/>
               <a:pPr/>
-              <a:t>10/26/19</a:t>
+              <a:t>11/6/19</a:t>
             </a:fld>
             <a:endParaRPr lang="en-US" dirty="0"/>
           </a:p>
@@ -1836,7 +1836,7 @@
             <a:fld id="{B61BEF0D-F0BB-DE4B-95CE-6DB70DBA9567}" type="datetimeFigureOut">
               <a:rPr lang="en-US"/>
               <a:pPr/>
-              <a:t>10/26/19</a:t>
+              <a:t>11/6/19</a:t>
             </a:fld>
             <a:endParaRPr lang="en-US" dirty="0"/>
           </a:p>
@@ -2262,7 +2262,7 @@
             <a:fld id="{B61BEF0D-F0BB-DE4B-95CE-6DB70DBA9567}" type="datetimeFigureOut">
               <a:rPr lang="en-US"/>
               <a:pPr/>
-              <a:t>10/26/19</a:t>
+              <a:t>11/6/19</a:t>
             </a:fld>
             <a:endParaRPr lang="en-US" dirty="0"/>
           </a:p>
@@ -2405,7 +2405,7 @@
             <a:fld id="{B61BEF0D-F0BB-DE4B-95CE-6DB70DBA9567}" type="datetimeFigureOut">
               <a:rPr lang="en-US"/>
               <a:pPr/>
-              <a:t>10/26/19</a:t>
+              <a:t>11/6/19</a:t>
             </a:fld>
             <a:endParaRPr lang="en-US" dirty="0"/>
           </a:p>
@@ -2532,7 +2532,7 @@
             <a:fld id="{B61BEF0D-F0BB-DE4B-95CE-6DB70DBA9567}" type="datetimeFigureOut">
               <a:rPr lang="en-US"/>
               <a:pPr/>
-              <a:t>10/26/19</a:t>
+              <a:t>11/6/19</a:t>
             </a:fld>
             <a:endParaRPr lang="en-US" dirty="0"/>
           </a:p>
@@ -2857,7 +2857,7 @@
             <a:fld id="{B61BEF0D-F0BB-DE4B-95CE-6DB70DBA9567}" type="datetimeFigureOut">
               <a:rPr lang="en-US"/>
               <a:pPr/>
-              <a:t>10/26/19</a:t>
+              <a:t>11/6/19</a:t>
             </a:fld>
             <a:endParaRPr lang="en-US" dirty="0"/>
           </a:p>
@@ -3159,7 +3159,7 @@
             <a:fld id="{B61BEF0D-F0BB-DE4B-95CE-6DB70DBA9567}" type="datetimeFigureOut">
               <a:rPr lang="en-US"/>
               <a:pPr/>
-              <a:t>10/26/19</a:t>
+              <a:t>11/6/19</a:t>
             </a:fld>
             <a:endParaRPr lang="en-US" dirty="0"/>
           </a:p>
@@ -3414,7 +3414,7 @@
             <a:fld id="{B61BEF0D-F0BB-DE4B-95CE-6DB70DBA9567}" type="datetimeFigureOut">
               <a:rPr lang="en-US"/>
               <a:pPr/>
-              <a:t>10/26/19</a:t>
+              <a:t>11/6/19</a:t>
             </a:fld>
             <a:endParaRPr lang="en-US" dirty="0"/>
           </a:p>
@@ -6095,7 +6095,7 @@
                   <a:srgbClr val="000000"/>
                 </a:solidFill>
               </a:rPr>
-              <a:t>Sequential testing approaches don’t apply here.</a:t>
+              <a:t>Sequential testing approaches rarely help here.</a:t>
             </a:r>
           </a:p>
           <a:p>
